--- a/plot/driveup/draincurrent_14.678mA_loadpull.pptx
+++ b/plot/driveup/draincurrent_14.678mA_loadpull.pptx
@@ -1,22 +1,17 @@
 
 <file path=ppt/presentation.xml><?xml version="1.0" encoding="utf-8"?>
-<p:presentation xmlns:a="http://schemas.openxmlformats.org/drawingml/2006/main" xmlns:p="http://schemas.openxmlformats.org/presentationml/2006/main" xmlns:r="http://schemas.openxmlformats.org/officeDocument/2006/relationships" removePersonalInfoOnSave="1" saveSubsetFonts="1">
+<p:presentation xmlns:a="http://schemas.openxmlformats.org/drawingml/2006/main" xmlns:r="http://schemas.openxmlformats.org/officeDocument/2006/relationships" xmlns:p="http://schemas.openxmlformats.org/presentationml/2006/main" removePersonalInfoOnSave="1" saveSubsetFonts="1">
   <p:sldMasterIdLst>
     <p:sldMasterId id="2147483648" r:id="rId1"/>
   </p:sldMasterIdLst>
-  <p:sldIdLst>
-    <p:sldId id="256" r:id="rId6"/>
-    <p:sldId id="257" r:id="rId7"/>
-    <p:sldId id="258" r:id="rId8"/>
-  </p:sldIdLst>
   <p:sldSz cx="12192000" cy="6858000"/>
   <p:notesSz cx="6858000" cy="9144000"/>
   <p:defaultTextStyle>
     <a:defPPr>
       <a:defRPr lang="en-US"/>
     </a:defPPr>
-    <a:lvl1pPr algn="l" defTabSz="914400" eaLnBrk="1" hangingPunct="1" latinLnBrk="0" marL="0" rtl="0">
-      <a:defRPr kern="1200" sz="1800">
+    <a:lvl1pPr marL="0" algn="l" defTabSz="914400" rtl="0" eaLnBrk="1" latinLnBrk="0" hangingPunct="1">
+      <a:defRPr sz="1800" kern="1200">
         <a:solidFill>
           <a:schemeClr val="tx1"/>
         </a:solidFill>
@@ -25,8 +20,8 @@
         <a:cs typeface="+mn-cs"/>
       </a:defRPr>
     </a:lvl1pPr>
-    <a:lvl2pPr algn="l" defTabSz="914400" eaLnBrk="1" hangingPunct="1" latinLnBrk="0" marL="457200" rtl="0">
-      <a:defRPr kern="1200" sz="1800">
+    <a:lvl2pPr marL="457200" algn="l" defTabSz="914400" rtl="0" eaLnBrk="1" latinLnBrk="0" hangingPunct="1">
+      <a:defRPr sz="1800" kern="1200">
         <a:solidFill>
           <a:schemeClr val="tx1"/>
         </a:solidFill>
@@ -35,8 +30,8 @@
         <a:cs typeface="+mn-cs"/>
       </a:defRPr>
     </a:lvl2pPr>
-    <a:lvl3pPr algn="l" defTabSz="914400" eaLnBrk="1" hangingPunct="1" latinLnBrk="0" marL="914400" rtl="0">
-      <a:defRPr kern="1200" sz="1800">
+    <a:lvl3pPr marL="914400" algn="l" defTabSz="914400" rtl="0" eaLnBrk="1" latinLnBrk="0" hangingPunct="1">
+      <a:defRPr sz="1800" kern="1200">
         <a:solidFill>
           <a:schemeClr val="tx1"/>
         </a:solidFill>
@@ -45,8 +40,8 @@
         <a:cs typeface="+mn-cs"/>
       </a:defRPr>
     </a:lvl3pPr>
-    <a:lvl4pPr algn="l" defTabSz="914400" eaLnBrk="1" hangingPunct="1" latinLnBrk="0" marL="1371600" rtl="0">
-      <a:defRPr kern="1200" sz="1800">
+    <a:lvl4pPr marL="1371600" algn="l" defTabSz="914400" rtl="0" eaLnBrk="1" latinLnBrk="0" hangingPunct="1">
+      <a:defRPr sz="1800" kern="1200">
         <a:solidFill>
           <a:schemeClr val="tx1"/>
         </a:solidFill>
@@ -55,8 +50,8 @@
         <a:cs typeface="+mn-cs"/>
       </a:defRPr>
     </a:lvl4pPr>
-    <a:lvl5pPr algn="l" defTabSz="914400" eaLnBrk="1" hangingPunct="1" latinLnBrk="0" marL="1828800" rtl="0">
-      <a:defRPr kern="1200" sz="1800">
+    <a:lvl5pPr marL="1828800" algn="l" defTabSz="914400" rtl="0" eaLnBrk="1" latinLnBrk="0" hangingPunct="1">
+      <a:defRPr sz="1800" kern="1200">
         <a:solidFill>
           <a:schemeClr val="tx1"/>
         </a:solidFill>
@@ -65,8 +60,8 @@
         <a:cs typeface="+mn-cs"/>
       </a:defRPr>
     </a:lvl5pPr>
-    <a:lvl6pPr algn="l" defTabSz="914400" eaLnBrk="1" hangingPunct="1" latinLnBrk="0" marL="2286000" rtl="0">
-      <a:defRPr kern="1200" sz="1800">
+    <a:lvl6pPr marL="2286000" algn="l" defTabSz="914400" rtl="0" eaLnBrk="1" latinLnBrk="0" hangingPunct="1">
+      <a:defRPr sz="1800" kern="1200">
         <a:solidFill>
           <a:schemeClr val="tx1"/>
         </a:solidFill>
@@ -75,8 +70,8 @@
         <a:cs typeface="+mn-cs"/>
       </a:defRPr>
     </a:lvl6pPr>
-    <a:lvl7pPr algn="l" defTabSz="914400" eaLnBrk="1" hangingPunct="1" latinLnBrk="0" marL="2743200" rtl="0">
-      <a:defRPr kern="1200" sz="1800">
+    <a:lvl7pPr marL="2743200" algn="l" defTabSz="914400" rtl="0" eaLnBrk="1" latinLnBrk="0" hangingPunct="1">
+      <a:defRPr sz="1800" kern="1200">
         <a:solidFill>
           <a:schemeClr val="tx1"/>
         </a:solidFill>
@@ -85,8 +80,8 @@
         <a:cs typeface="+mn-cs"/>
       </a:defRPr>
     </a:lvl7pPr>
-    <a:lvl8pPr algn="l" defTabSz="914400" eaLnBrk="1" hangingPunct="1" latinLnBrk="0" marL="3200400" rtl="0">
-      <a:defRPr kern="1200" sz="1800">
+    <a:lvl8pPr marL="3200400" algn="l" defTabSz="914400" rtl="0" eaLnBrk="1" latinLnBrk="0" hangingPunct="1">
+      <a:defRPr sz="1800" kern="1200">
         <a:solidFill>
           <a:schemeClr val="tx1"/>
         </a:solidFill>
@@ -95,8 +90,8 @@
         <a:cs typeface="+mn-cs"/>
       </a:defRPr>
     </a:lvl8pPr>
-    <a:lvl9pPr algn="l" defTabSz="914400" eaLnBrk="1" hangingPunct="1" latinLnBrk="0" marL="3657600" rtl="0">
-      <a:defRPr kern="1200" sz="1800">
+    <a:lvl9pPr marL="3657600" algn="l" defTabSz="914400" rtl="0" eaLnBrk="1" latinLnBrk="0" hangingPunct="1">
+      <a:defRPr sz="1800" kern="1200">
         <a:solidFill>
           <a:schemeClr val="tx1"/>
         </a:solidFill>
@@ -3207,467 +3202,6 @@
 </p:sldMaster>
 </file>
 
-<file path=ppt/slides/slide1.xml><?xml version="1.0" encoding="utf-8"?>
-<p:sld xmlns:a="http://schemas.openxmlformats.org/drawingml/2006/main" xmlns:p="http://schemas.openxmlformats.org/presentationml/2006/main" xmlns:r="http://schemas.openxmlformats.org/officeDocument/2006/relationships">
-  <p:cSld name="">
-    <p:spTree>
-      <p:nvGrpSpPr>
-        <p:cNvPr id="1" name=""/>
-        <p:cNvGrpSpPr/>
-        <p:nvPr/>
-      </p:nvGrpSpPr>
-      <p:grpSpPr>
-        <a:xfrm>
-          <a:off x="0" y="0"/>
-          <a:ext cx="0" cy="0"/>
-          <a:chOff x="0" y="0"/>
-          <a:chExt cx="0" cy="0"/>
-        </a:xfrm>
-      </p:grpSpPr>
-      <p:sp>
-        <p:nvSpPr>
-          <p:cNvPr id="2" name="Title"/>
-          <p:cNvSpPr>
-            <a:spLocks noGrp="1"/>
-          </p:cNvSpPr>
-          <p:nvPr>
-            <p:ph type="ctrTitle"/>
-          </p:nvPr>
-        </p:nvSpPr>
-        <p:spPr>
-          <a:xfrm>
-            <a:off x="1524000" y="1122363"/>
-            <a:ext cx="9144000" cy="2387600"/>
-          </a:xfrm>
-        </p:spPr>
-        <p:txBody>
-          <a:bodyPr anchor="b"/>
-          <a:lstStyle/>
-          <a:p>
-            <a:r>
-              <a:t>Simple Drive Up Report</a:t>
-            </a:r>
-          </a:p>
-        </p:txBody>
-      </p:sp>
-      <p:sp>
-        <p:nvSpPr>
-          <p:cNvPr id="3" name="Subtitle"/>
-          <p:cNvSpPr>
-            <a:spLocks noGrp="1"/>
-          </p:cNvSpPr>
-          <p:nvPr>
-            <p:ph idx="1" type="subTitle"/>
-          </p:nvPr>
-        </p:nvSpPr>
-        <p:spPr>
-          <a:xfrm>
-            <a:off x="1524000" y="3602038"/>
-            <a:ext cx="9144000" cy="1655762"/>
-          </a:xfrm>
-        </p:spPr>
-        <p:txBody>
-          <a:bodyPr/>
-          <a:lstStyle/>
-          <a:p>
-            <a:r>
-              <a:t>None</a:t>
-            </a:r>
-          </a:p>
-        </p:txBody>
-      </p:sp>
-      <p:sp>
-        <p:nvSpPr>
-          <p:cNvPr id="4" name="Date"/>
-          <p:cNvSpPr>
-            <a:spLocks noGrp="1"/>
-          </p:cNvSpPr>
-          <p:nvPr>
-            <p:ph idx="10" sz="half" type="dt"/>
-          </p:nvPr>
-        </p:nvSpPr>
-        <p:spPr/>
-        <p:txBody>
-          <a:bodyPr/>
-          <a:lstStyle/>
-          <a:p>
-            <a:fld id="{5C2C3F0B-2B7F-4782-B315-33E516447C25}" type="datetimeFigureOut">
-              <a:rPr lang="en-US" smtClean="0"/>
-              <a:t>3/21/2019</a:t>
-            </a:fld>
-            <a:endParaRPr lang="en-US"/>
-          </a:p>
-        </p:txBody>
-      </p:sp>
-      <p:sp>
-        <p:nvSpPr>
-          <p:cNvPr id="5" name="Footer"/>
-          <p:cNvSpPr>
-            <a:spLocks noGrp="1"/>
-          </p:cNvSpPr>
-          <p:nvPr>
-            <p:ph idx="11" sz="quarter" type="ftr"/>
-          </p:nvPr>
-        </p:nvSpPr>
-        <p:spPr/>
-        <p:txBody>
-          <a:bodyPr/>
-          <a:lstStyle/>
-          <a:p>
-            <a:endParaRPr lang="en-US"/>
-          </a:p>
-        </p:txBody>
-      </p:sp>
-      <p:sp>
-        <p:nvSpPr>
-          <p:cNvPr id="6" name="Slide Number"/>
-          <p:cNvSpPr>
-            <a:spLocks noGrp="1"/>
-          </p:cNvSpPr>
-          <p:nvPr>
-            <p:ph idx="12" sz="quarter" type="sldNum"/>
-          </p:nvPr>
-        </p:nvSpPr>
-        <p:spPr/>
-        <p:txBody>
-          <a:bodyPr/>
-          <a:lstStyle/>
-          <a:p>
-            <a:fld id="{6FACB95C-998B-4B89-BDB5-3B69D78FCBB4}" type="slidenum">
-              <a:rPr lang="en-US" smtClean="0"/>
-              <a:t>‹#›</a:t>
-            </a:fld>
-            <a:endParaRPr lang="en-US"/>
-          </a:p>
-        </p:txBody>
-      </p:sp>
-    </p:spTree>
-    <p:extLst>
-      <p:ext uri="{BB962C8B-B14F-4D97-AF65-F5344CB8AC3E}">
-        <p14:creationId xmlns:p14="http://schemas.microsoft.com/office/powerpoint/2010/main" val="2532984289"/>
-      </p:ext>
-    </p:extLst>
-  </p:cSld>
-</p:sld>
-</file>
-
-<file path=ppt/slides/slide2.xml><?xml version="1.0" encoding="utf-8"?>
-<p:sld xmlns:a="http://schemas.openxmlformats.org/drawingml/2006/main" xmlns:p="http://schemas.openxmlformats.org/presentationml/2006/main" xmlns:r="http://schemas.openxmlformats.org/officeDocument/2006/relationships">
-  <p:cSld name="">
-    <p:spTree>
-      <p:nvGrpSpPr>
-        <p:cNvPr id="1" name=""/>
-        <p:cNvGrpSpPr/>
-        <p:nvPr/>
-      </p:nvGrpSpPr>
-      <p:grpSpPr>
-        <a:xfrm>
-          <a:off x="0" y="0"/>
-          <a:ext cx="0" cy="0"/>
-          <a:chOff x="0" y="0"/>
-          <a:chExt cx="0" cy="0"/>
-        </a:xfrm>
-      </p:grpSpPr>
-      <p:sp>
-        <p:nvSpPr>
-          <p:cNvPr id="2" name="Title"/>
-          <p:cNvSpPr>
-            <a:spLocks noGrp="1"/>
-          </p:cNvSpPr>
-          <p:nvPr>
-            <p:ph type="title"/>
-          </p:nvPr>
-        </p:nvSpPr>
-        <p:spPr/>
-        <p:txBody>
-          <a:bodyPr/>
-          <a:lstStyle/>
-          <a:p>
-            <a:r>
-              <a:t>Test Configuration</a:t>
-            </a:r>
-          </a:p>
-        </p:txBody>
-      </p:sp>
-      <p:sp>
-        <p:nvSpPr>
-          <p:cNvPr id="3" name="Content"/>
-          <p:cNvSpPr>
-            <a:spLocks noGrp="1"/>
-          </p:cNvSpPr>
-          <p:nvPr>
-            <p:ph idx="1"/>
-          </p:nvPr>
-        </p:nvSpPr>
-        <p:spPr/>
-        <p:txBody>
-          <a:bodyPr/>
-          <a:lstStyle/>
-          <a:p>
-            <a:r>
-              <a:t>Frequencies: (GHz)</a:t>
-            </a:r>
-          </a:p>
-          <a:p>
-            <a:pPr lvl="1"/>
-            <a:r>
-              <a:t>8, 8.5, 9, 9.5, 10, 10.5, 11, 11.5, 12</a:t>
-            </a:r>
-          </a:p>
-          <a:p>
-            <a:r>
-              <a:t>Input Powers: (dBm)</a:t>
-            </a:r>
-          </a:p>
-          <a:p>
-            <a:pPr lvl="1"/>
-            <a:r>
-              <a:t>10, 11, 12, 13, 14, 15, 16, 17, 18, 19, 20, 21, 22, 23, 24</a:t>
-            </a:r>
-          </a:p>
-          <a:p>
-            <a:r>
-              <a:t>Load Impedances: </a:t>
-            </a:r>
-          </a:p>
-          <a:p>
-            <a:pPr lvl="1"/>
-            <a:r>
-              <a:t>Gamma Magnitude: </a:t>
-            </a:r>
-          </a:p>
-          <a:p>
-            <a:pPr lvl="2"/>
-            <a:r>
-              <a:t>0</a:t>
-            </a:r>
-          </a:p>
-          <a:p>
-            <a:pPr lvl="1"/>
-            <a:r>
-              <a:t>Gamma Phase</a:t>
-            </a:r>
-          </a:p>
-          <a:p>
-            <a:pPr lvl="2"/>
-            <a:r>
-              <a:t>0</a:t>
-            </a:r>
-          </a:p>
-        </p:txBody>
-      </p:sp>
-      <p:sp>
-        <p:nvSpPr>
-          <p:cNvPr id="4" name="Date"/>
-          <p:cNvSpPr>
-            <a:spLocks noGrp="1"/>
-          </p:cNvSpPr>
-          <p:nvPr>
-            <p:ph idx="10" sz="half" type="dt"/>
-          </p:nvPr>
-        </p:nvSpPr>
-        <p:spPr/>
-        <p:txBody>
-          <a:bodyPr/>
-          <a:lstStyle/>
-          <a:p>
-            <a:fld id="{5C2C3F0B-2B7F-4782-B315-33E516447C25}" type="datetimeFigureOut">
-              <a:rPr lang="en-US" smtClean="0"/>
-              <a:t>3/21/2019</a:t>
-            </a:fld>
-            <a:endParaRPr lang="en-US"/>
-          </a:p>
-        </p:txBody>
-      </p:sp>
-      <p:sp>
-        <p:nvSpPr>
-          <p:cNvPr id="5" name="Footer"/>
-          <p:cNvSpPr>
-            <a:spLocks noGrp="1"/>
-          </p:cNvSpPr>
-          <p:nvPr>
-            <p:ph idx="11" sz="quarter" type="ftr"/>
-          </p:nvPr>
-        </p:nvSpPr>
-        <p:spPr/>
-        <p:txBody>
-          <a:bodyPr/>
-          <a:lstStyle/>
-          <a:p>
-            <a:endParaRPr lang="en-US"/>
-          </a:p>
-        </p:txBody>
-      </p:sp>
-      <p:sp>
-        <p:nvSpPr>
-          <p:cNvPr id="6" name="Slide Number"/>
-          <p:cNvSpPr>
-            <a:spLocks noGrp="1"/>
-          </p:cNvSpPr>
-          <p:nvPr>
-            <p:ph idx="12" sz="quarter" type="sldNum"/>
-          </p:nvPr>
-        </p:nvSpPr>
-        <p:spPr/>
-        <p:txBody>
-          <a:bodyPr/>
-          <a:lstStyle/>
-          <a:p>
-            <a:fld id="{6FACB95C-998B-4B89-BDB5-3B69D78FCBB4}" type="slidenum">
-              <a:rPr lang="en-US" smtClean="0"/>
-              <a:t>‹#›</a:t>
-            </a:fld>
-            <a:endParaRPr lang="en-US"/>
-          </a:p>
-        </p:txBody>
-      </p:sp>
-    </p:spTree>
-    <p:extLst>
-      <p:ext uri="{BB962C8B-B14F-4D97-AF65-F5344CB8AC3E}">
-        <p14:creationId xmlns:p14="http://schemas.microsoft.com/office/powerpoint/2010/main" val="1534215338"/>
-      </p:ext>
-    </p:extLst>
-  </p:cSld>
-</p:sld>
-</file>
-
-<file path=ppt/slides/slide3.xml><?xml version="1.0" encoding="utf-8"?>
-<p:sld xmlns:a="http://schemas.openxmlformats.org/drawingml/2006/main" xmlns:p="http://schemas.openxmlformats.org/presentationml/2006/main" xmlns:r="http://schemas.openxmlformats.org/officeDocument/2006/relationships" userDrawn="1">
-  <p:cSld name="">
-    <p:spTree>
-      <p:nvGrpSpPr>
-        <p:cNvPr id="1" name=""/>
-        <p:cNvGrpSpPr/>
-        <p:nvPr/>
-      </p:nvGrpSpPr>
-      <p:grpSpPr>
-        <a:xfrm>
-          <a:off x="0" y="0"/>
-          <a:ext cx="0" cy="0"/>
-          <a:chOff x="0" y="0"/>
-          <a:chExt cx="0" cy="0"/>
-        </a:xfrm>
-      </p:grpSpPr>
-      <p:sp>
-        <p:nvSpPr>
-          <p:cNvPr id="2" name="Title"/>
-          <p:cNvSpPr>
-            <a:spLocks noGrp="1"/>
-          </p:cNvSpPr>
-          <p:nvPr>
-            <p:ph type="title"/>
-          </p:nvPr>
-        </p:nvSpPr>
-        <p:spPr/>
-        <p:txBody>
-          <a:bodyPr/>
-          <a:lstStyle/>
-          <a:p>
-            <a:r>
-              <a:t>Large Signal Performance</a:t>
-            </a:r>
-          </a:p>
-        </p:txBody>
-      </p:sp>
-      <p:sp>
-        <p:nvSpPr>
-          <p:cNvPr id="3" name="Date"/>
-          <p:cNvSpPr>
-            <a:spLocks noGrp="1"/>
-          </p:cNvSpPr>
-          <p:nvPr>
-            <p:ph idx="10" sz="half" type="dt"/>
-          </p:nvPr>
-        </p:nvSpPr>
-        <p:spPr/>
-        <p:txBody>
-          <a:bodyPr/>
-          <a:lstStyle/>
-          <a:p>
-            <a:fld id="{5C2C3F0B-2B7F-4782-B315-33E516447C25}" type="datetimeFigureOut">
-              <a:rPr lang="en-US" smtClean="0"/>
-              <a:t>3/21/2019</a:t>
-            </a:fld>
-            <a:endParaRPr lang="en-US"/>
-          </a:p>
-        </p:txBody>
-      </p:sp>
-      <p:sp>
-        <p:nvSpPr>
-          <p:cNvPr id="4" name="Footer"/>
-          <p:cNvSpPr>
-            <a:spLocks noGrp="1"/>
-          </p:cNvSpPr>
-          <p:nvPr>
-            <p:ph idx="11" sz="quarter" type="ftr"/>
-          </p:nvPr>
-        </p:nvSpPr>
-        <p:spPr/>
-        <p:txBody>
-          <a:bodyPr/>
-          <a:lstStyle/>
-          <a:p>
-            <a:endParaRPr lang="en-US"/>
-          </a:p>
-        </p:txBody>
-      </p:sp>
-      <p:sp>
-        <p:nvSpPr>
-          <p:cNvPr id="5" name="Slide Number"/>
-          <p:cNvSpPr>
-            <a:spLocks noGrp="1"/>
-          </p:cNvSpPr>
-          <p:nvPr>
-            <p:ph idx="12" sz="quarter" type="sldNum"/>
-          </p:nvPr>
-        </p:nvSpPr>
-        <p:spPr/>
-        <p:txBody>
-          <a:bodyPr/>
-          <a:lstStyle/>
-          <a:p>
-            <a:fld id="{6FACB95C-998B-4B89-BDB5-3B69D78FCBB4}" type="slidenum">
-              <a:rPr lang="en-US" smtClean="0"/>
-              <a:t>‹#›</a:t>
-            </a:fld>
-            <a:endParaRPr lang="en-US"/>
-          </a:p>
-        </p:txBody>
-      </p:sp>
-      <p:pic>
-        <p:nvPicPr>
-          <p:cNvPr id="8" name="Picture"/>
-          <p:cNvPicPr>
-            <a:picLocks noChangeAspect="1" noGrp="1"/>
-          </p:cNvPicPr>
-          <p:nvPr>
-            <p:ph idx="13" sz="quarter" type="pic"/>
-          </p:nvPr>
-        </p:nvPicPr>
-        <p:blipFill>
-          <a:blip r:embed="rId2">
-            <a:extLst>
-              <a:ext uri="{28A0092B-C50C-407E-A947-70E740481C1C}">
-                <a14:useLocalDpi xmlns:a14="http://schemas.microsoft.com/office/drawing/2010/main" val="0"/>
-              </a:ext>
-            </a:extLst>
-          </a:blip>
-          <a:stretch>
-            <a:fillRect/>
-          </a:stretch>
-        </p:blipFill>
-        <p:spPr/>
-      </p:pic>
-    </p:spTree>
-    <p:extLst>
-      <p:ext uri="{BB962C8B-B14F-4D97-AF65-F5344CB8AC3E}">
-        <p14:creationId xmlns:p14="http://schemas.microsoft.com/office/powerpoint/2010/main" val="1524475531"/>
-      </p:ext>
-    </p:extLst>
-  </p:cSld>
-</p:sld>
-</file>
-
 <file path=ppt/theme/theme1.xml><?xml version="1.0" encoding="utf-8"?>
 <a:theme xmlns:a="http://schemas.openxmlformats.org/drawingml/2006/main" name="Office Theme">
   <a:themeElements>
